--- a/Introduction_to_PostGIS.pptx
+++ b/Introduction_to_PostGIS.pptx
@@ -118,7 +118,7 @@
   </p:defaultTextStyle>
   <p:extLst>
     <p:ext uri="{EFAFB233-063F-42B5-8137-9DF3F51BA10A}">
-      <p15:sldGuideLst xmlns="" xmlns:p15="http://schemas.microsoft.com/office/powerpoint/2012/main">
+      <p15:sldGuideLst xmlns:p15="http://schemas.microsoft.com/office/powerpoint/2012/main" xmlns="">
         <p15:guide id="1" orient="horz" pos="1620">
           <p15:clr>
             <a:srgbClr val="A4A3A4"/>
@@ -217,7 +217,7 @@
           <a:p>
             <a:fld id="{C1A25684-7057-4B41-A088-7A7D28817CF4}" type="datetimeFigureOut">
               <a:rPr lang="en-US" smtClean="0"/>
-              <a:t>1/12/2018</a:t>
+              <a:t>1/16/2018</a:t>
             </a:fld>
             <a:endParaRPr lang="en-US"/>
           </a:p>
@@ -953,7 +953,7 @@
           <a:p>
             <a:fld id="{9B9A28E6-BEFD-394F-B035-3CDD28E2C38B}" type="datetimeFigureOut">
               <a:rPr lang="en-US" smtClean="0"/>
-              <a:t>1/12/2018</a:t>
+              <a:t>1/16/2018</a:t>
             </a:fld>
             <a:endParaRPr lang="en-US"/>
           </a:p>
@@ -1123,7 +1123,7 @@
           <a:p>
             <a:fld id="{9B9A28E6-BEFD-394F-B035-3CDD28E2C38B}" type="datetimeFigureOut">
               <a:rPr lang="en-US" smtClean="0"/>
-              <a:t>1/12/2018</a:t>
+              <a:t>1/16/2018</a:t>
             </a:fld>
             <a:endParaRPr lang="en-US"/>
           </a:p>
@@ -1303,7 +1303,7 @@
           <a:p>
             <a:fld id="{9B9A28E6-BEFD-394F-B035-3CDD28E2C38B}" type="datetimeFigureOut">
               <a:rPr lang="en-US" smtClean="0"/>
-              <a:t>1/12/2018</a:t>
+              <a:t>1/16/2018</a:t>
             </a:fld>
             <a:endParaRPr lang="en-US"/>
           </a:p>
@@ -1473,7 +1473,7 @@
           <a:p>
             <a:fld id="{9B9A28E6-BEFD-394F-B035-3CDD28E2C38B}" type="datetimeFigureOut">
               <a:rPr lang="en-US" smtClean="0"/>
-              <a:t>1/12/2018</a:t>
+              <a:t>1/16/2018</a:t>
             </a:fld>
             <a:endParaRPr lang="en-US"/>
           </a:p>
@@ -1719,7 +1719,7 @@
           <a:p>
             <a:fld id="{9B9A28E6-BEFD-394F-B035-3CDD28E2C38B}" type="datetimeFigureOut">
               <a:rPr lang="en-US" smtClean="0"/>
-              <a:t>1/12/2018</a:t>
+              <a:t>1/16/2018</a:t>
             </a:fld>
             <a:endParaRPr lang="en-US"/>
           </a:p>
@@ -2007,7 +2007,7 @@
           <a:p>
             <a:fld id="{9B9A28E6-BEFD-394F-B035-3CDD28E2C38B}" type="datetimeFigureOut">
               <a:rPr lang="en-US" smtClean="0"/>
-              <a:t>1/12/2018</a:t>
+              <a:t>1/16/2018</a:t>
             </a:fld>
             <a:endParaRPr lang="en-US"/>
           </a:p>
@@ -2434,7 +2434,7 @@
           <a:p>
             <a:fld id="{9B9A28E6-BEFD-394F-B035-3CDD28E2C38B}" type="datetimeFigureOut">
               <a:rPr lang="en-US" smtClean="0"/>
-              <a:t>1/12/2018</a:t>
+              <a:t>1/16/2018</a:t>
             </a:fld>
             <a:endParaRPr lang="en-US"/>
           </a:p>
@@ -2552,7 +2552,7 @@
           <a:p>
             <a:fld id="{9B9A28E6-BEFD-394F-B035-3CDD28E2C38B}" type="datetimeFigureOut">
               <a:rPr lang="en-US" smtClean="0"/>
-              <a:t>1/12/2018</a:t>
+              <a:t>1/16/2018</a:t>
             </a:fld>
             <a:endParaRPr lang="en-US"/>
           </a:p>
@@ -2647,7 +2647,7 @@
           <a:p>
             <a:fld id="{9B9A28E6-BEFD-394F-B035-3CDD28E2C38B}" type="datetimeFigureOut">
               <a:rPr lang="en-US" smtClean="0"/>
-              <a:t>1/12/2018</a:t>
+              <a:t>1/16/2018</a:t>
             </a:fld>
             <a:endParaRPr lang="en-US"/>
           </a:p>
@@ -2924,7 +2924,7 @@
           <a:p>
             <a:fld id="{9B9A28E6-BEFD-394F-B035-3CDD28E2C38B}" type="datetimeFigureOut">
               <a:rPr lang="en-US" smtClean="0"/>
-              <a:t>1/12/2018</a:t>
+              <a:t>1/16/2018</a:t>
             </a:fld>
             <a:endParaRPr lang="en-US"/>
           </a:p>
@@ -3177,7 +3177,7 @@
           <a:p>
             <a:fld id="{9B9A28E6-BEFD-394F-B035-3CDD28E2C38B}" type="datetimeFigureOut">
               <a:rPr lang="en-US" smtClean="0"/>
-              <a:t>1/12/2018</a:t>
+              <a:t>1/16/2018</a:t>
             </a:fld>
             <a:endParaRPr lang="en-US"/>
           </a:p>
@@ -3390,7 +3390,7 @@
           <a:p>
             <a:fld id="{9B9A28E6-BEFD-394F-B035-3CDD28E2C38B}" type="datetimeFigureOut">
               <a:rPr lang="en-US" smtClean="0"/>
-              <a:t>1/12/2018</a:t>
+              <a:t>1/16/2018</a:t>
             </a:fld>
             <a:endParaRPr lang="en-US"/>
           </a:p>
@@ -4356,19 +4356,7 @@
                 <a:cs typeface="Calibri"/>
                 <a:sym typeface="Calibri"/>
               </a:rPr>
-              <a:t>Devika </a:t>
-            </a:r>
-            <a:r>
-              <a:rPr lang="en" sz="3200" b="0" i="0" u="none" strike="noStrike" cap="none" dirty="0" smtClean="0">
-                <a:solidFill>
-                  <a:schemeClr val="dk1"/>
-                </a:solidFill>
-                <a:latin typeface="Calibri"/>
-                <a:ea typeface="Calibri"/>
-                <a:cs typeface="Calibri"/>
-                <a:sym typeface="Calibri"/>
-              </a:rPr>
-              <a:t>Kakkar</a:t>
+              <a:t>Devika Kakkar</a:t>
             </a:r>
           </a:p>
           <a:p>
@@ -4809,7 +4797,7 @@
         <p:spPr/>
         <p:txBody>
           <a:bodyPr>
-            <a:normAutofit fontScale="70000" lnSpcReduction="20000"/>
+            <a:normAutofit fontScale="77500" lnSpcReduction="20000"/>
           </a:bodyPr>
           <a:lstStyle/>
           <a:p>
@@ -4870,13 +4858,9 @@
             </a:r>
             <a:r>
               <a:rPr lang="en-CA" altLang="en-US" dirty="0"/>
-              <a:t>a unified means of access control for data.  Fine </a:t>
-            </a:r>
-            <a:r>
-              <a:rPr lang="en-CA" altLang="en-US" dirty="0" smtClean="0"/>
-              <a:t>grained</a:t>
-            </a:r>
-            <a:endParaRPr lang="en-CA" altLang="en-US" dirty="0"/>
+              <a:t>a unified means of access control for data. </a:t>
+            </a:r>
+            <a:endParaRPr lang="en-CA" altLang="en-US" dirty="0" smtClean="0"/>
           </a:p>
           <a:p>
             <a:pPr>
@@ -4884,8 +4868,12 @@
               <a:buChar char="•"/>
             </a:pPr>
             <a:r>
+              <a:rPr lang="en-CA" altLang="en-US" dirty="0" smtClean="0"/>
+              <a:t>Provide </a:t>
+            </a:r>
+            <a:r>
               <a:rPr lang="en-CA" altLang="en-US" dirty="0"/>
-              <a:t>Provide an integration point for spatial data </a:t>
+              <a:t>an integration point for spatial data </a:t>
             </a:r>
             <a:r>
               <a:rPr lang="en-CA" altLang="en-US" dirty="0" smtClean="0"/>
@@ -5081,15 +5069,11 @@
               <a:buChar char="•"/>
             </a:pPr>
             <a:r>
-              <a:rPr lang="en-US" dirty="0"/>
-              <a:t> </a:t>
-            </a:r>
-            <a:r>
-              <a:rPr lang="en-US" b="1" dirty="0" err="1"/>
+              <a:rPr lang="en-US" b="1" dirty="0" err="1" smtClean="0"/>
               <a:t>Institut</a:t>
             </a:r>
             <a:r>
-              <a:rPr lang="en-US" b="1" dirty="0"/>
+              <a:rPr lang="en-US" b="1" dirty="0" smtClean="0"/>
               <a:t> </a:t>
             </a:r>
             <a:r>

--- a/Introduction_to_PostGIS.pptx
+++ b/Introduction_to_PostGIS.pptx
@@ -118,7 +118,7 @@
   </p:defaultTextStyle>
   <p:extLst>
     <p:ext uri="{EFAFB233-063F-42B5-8137-9DF3F51BA10A}">
-      <p15:sldGuideLst xmlns:p15="http://schemas.microsoft.com/office/powerpoint/2012/main" xmlns="">
+      <p15:sldGuideLst xmlns="" xmlns:p15="http://schemas.microsoft.com/office/powerpoint/2012/main">
         <p15:guide id="1" orient="horz" pos="1620">
           <p15:clr>
             <a:srgbClr val="A4A3A4"/>
@@ -4858,7 +4858,11 @@
             </a:r>
             <a:r>
               <a:rPr lang="en-CA" altLang="en-US" dirty="0"/>
-              <a:t>a unified means of access control for data. </a:t>
+              <a:t>a unified means of access control for </a:t>
+            </a:r>
+            <a:r>
+              <a:rPr lang="en-CA" altLang="en-US" dirty="0" smtClean="0"/>
+              <a:t>data</a:t>
             </a:r>
             <a:endParaRPr lang="en-CA" altLang="en-US" dirty="0" smtClean="0"/>
           </a:p>

--- a/Introduction_to_PostGIS.pptx
+++ b/Introduction_to_PostGIS.pptx
@@ -118,7 +118,7 @@
   </p:defaultTextStyle>
   <p:extLst>
     <p:ext uri="{EFAFB233-063F-42B5-8137-9DF3F51BA10A}">
-      <p15:sldGuideLst xmlns="" xmlns:p15="http://schemas.microsoft.com/office/powerpoint/2012/main">
+      <p15:sldGuideLst xmlns:p15="http://schemas.microsoft.com/office/powerpoint/2012/main">
         <p15:guide id="1" orient="horz" pos="1620">
           <p15:clr>
             <a:srgbClr val="A4A3A4"/>
@@ -217,7 +217,7 @@
           <a:p>
             <a:fld id="{C1A25684-7057-4B41-A088-7A7D28817CF4}" type="datetimeFigureOut">
               <a:rPr lang="en-US" smtClean="0"/>
-              <a:t>1/16/2018</a:t>
+              <a:t>1/6/23</a:t>
             </a:fld>
             <a:endParaRPr lang="en-US"/>
           </a:p>
@@ -281,38 +281,37 @@
           <a:p>
             <a:pPr lvl="0"/>
             <a:r>
-              <a:rPr lang="en-US" smtClean="0"/>
+              <a:rPr lang="en-US"/>
               <a:t>Click to edit Master text styles</a:t>
             </a:r>
           </a:p>
           <a:p>
             <a:pPr lvl="1"/>
             <a:r>
-              <a:rPr lang="en-US" smtClean="0"/>
+              <a:rPr lang="en-US"/>
               <a:t>Second level</a:t>
             </a:r>
           </a:p>
           <a:p>
             <a:pPr lvl="2"/>
             <a:r>
-              <a:rPr lang="en-US" smtClean="0"/>
+              <a:rPr lang="en-US"/>
               <a:t>Third level</a:t>
             </a:r>
           </a:p>
           <a:p>
             <a:pPr lvl="3"/>
             <a:r>
-              <a:rPr lang="en-US" smtClean="0"/>
+              <a:rPr lang="en-US"/>
               <a:t>Fourth level</a:t>
             </a:r>
           </a:p>
           <a:p>
             <a:pPr lvl="4"/>
             <a:r>
-              <a:rPr lang="en-US" smtClean="0"/>
+              <a:rPr lang="en-US"/>
               <a:t>Fifth level</a:t>
             </a:r>
-            <a:endParaRPr lang="en-US"/>
           </a:p>
         </p:txBody>
       </p:sp>
@@ -594,7 +593,7 @@
               <a:buNone/>
             </a:pPr>
             <a:r>
-              <a:rPr lang="en-US" sz="1200" b="0" i="0" u="none" strike="noStrike" cap="none" dirty="0" smtClean="0">
+              <a:rPr lang="en-US" sz="1200" b="0" i="0" u="none" strike="noStrike" cap="none" dirty="0">
                 <a:solidFill>
                   <a:schemeClr val="dk1"/>
                 </a:solidFill>
@@ -606,7 +605,7 @@
               <a:t>Mention somewhere funded by Sloan and BARI.</a:t>
             </a:r>
             <a:r>
-              <a:rPr lang="en-US" sz="1200" b="0" i="0" u="none" strike="noStrike" cap="none" baseline="0" dirty="0" smtClean="0">
+              <a:rPr lang="en-US" sz="1200" b="0" i="0" u="none" strike="noStrike" cap="none" baseline="0" dirty="0">
                 <a:solidFill>
                   <a:schemeClr val="dk1"/>
                 </a:solidFill>
@@ -618,7 +617,7 @@
               <a:t>  Work integrates with Harvard </a:t>
             </a:r>
             <a:r>
-              <a:rPr lang="en-US" sz="1200" b="0" i="0" u="none" strike="noStrike" cap="none" baseline="0" dirty="0" err="1" smtClean="0">
+              <a:rPr lang="en-US" sz="1200" b="0" i="0" u="none" strike="noStrike" cap="none" baseline="0" dirty="0" err="1">
                 <a:solidFill>
                   <a:schemeClr val="dk1"/>
                 </a:solidFill>
@@ -630,7 +629,7 @@
               <a:t>Dataverse</a:t>
             </a:r>
             <a:r>
-              <a:rPr lang="en-US" sz="1200" b="0" i="0" u="none" strike="noStrike" cap="none" baseline="0" dirty="0" smtClean="0">
+              <a:rPr lang="en-US" sz="1200" b="0" i="0" u="none" strike="noStrike" cap="none" baseline="0" dirty="0">
                 <a:solidFill>
                   <a:schemeClr val="dk1"/>
                 </a:solidFill>
@@ -810,10 +809,9 @@
           <a:lstStyle/>
           <a:p>
             <a:r>
-              <a:rPr lang="en-US" smtClean="0"/>
+              <a:rPr lang="en-US"/>
               <a:t>Click to edit Master title style</a:t>
             </a:r>
-            <a:endParaRPr lang="en-US"/>
           </a:p>
         </p:txBody>
       </p:sp>
@@ -929,10 +927,9 @@
           </a:lstStyle>
           <a:p>
             <a:r>
-              <a:rPr lang="en-US" smtClean="0"/>
+              <a:rPr lang="en-US"/>
               <a:t>Click to edit Master subtitle style</a:t>
             </a:r>
-            <a:endParaRPr lang="en-US"/>
           </a:p>
         </p:txBody>
       </p:sp>
@@ -953,7 +950,7 @@
           <a:p>
             <a:fld id="{9B9A28E6-BEFD-394F-B035-3CDD28E2C38B}" type="datetimeFigureOut">
               <a:rPr lang="en-US" smtClean="0"/>
-              <a:t>1/16/2018</a:t>
+              <a:t>1/6/23</a:t>
             </a:fld>
             <a:endParaRPr lang="en-US"/>
           </a:p>
@@ -1047,10 +1044,9 @@
           <a:lstStyle/>
           <a:p>
             <a:r>
-              <a:rPr lang="en-US" smtClean="0"/>
+              <a:rPr lang="en-US"/>
               <a:t>Click to edit Master title style</a:t>
             </a:r>
-            <a:endParaRPr lang="en-US"/>
           </a:p>
         </p:txBody>
       </p:sp>
@@ -1071,38 +1067,37 @@
           <a:p>
             <a:pPr lvl="0"/>
             <a:r>
-              <a:rPr lang="en-US" smtClean="0"/>
+              <a:rPr lang="en-US"/>
               <a:t>Click to edit Master text styles</a:t>
             </a:r>
           </a:p>
           <a:p>
             <a:pPr lvl="1"/>
             <a:r>
-              <a:rPr lang="en-US" smtClean="0"/>
+              <a:rPr lang="en-US"/>
               <a:t>Second level</a:t>
             </a:r>
           </a:p>
           <a:p>
             <a:pPr lvl="2"/>
             <a:r>
-              <a:rPr lang="en-US" smtClean="0"/>
+              <a:rPr lang="en-US"/>
               <a:t>Third level</a:t>
             </a:r>
           </a:p>
           <a:p>
             <a:pPr lvl="3"/>
             <a:r>
-              <a:rPr lang="en-US" smtClean="0"/>
+              <a:rPr lang="en-US"/>
               <a:t>Fourth level</a:t>
             </a:r>
           </a:p>
           <a:p>
             <a:pPr lvl="4"/>
             <a:r>
-              <a:rPr lang="en-US" smtClean="0"/>
+              <a:rPr lang="en-US"/>
               <a:t>Fifth level</a:t>
             </a:r>
-            <a:endParaRPr lang="en-US"/>
           </a:p>
         </p:txBody>
       </p:sp>
@@ -1123,7 +1118,7 @@
           <a:p>
             <a:fld id="{9B9A28E6-BEFD-394F-B035-3CDD28E2C38B}" type="datetimeFigureOut">
               <a:rPr lang="en-US" smtClean="0"/>
-              <a:t>1/16/2018</a:t>
+              <a:t>1/6/23</a:t>
             </a:fld>
             <a:endParaRPr lang="en-US"/>
           </a:p>
@@ -1222,10 +1217,9 @@
           <a:lstStyle/>
           <a:p>
             <a:r>
-              <a:rPr lang="en-US" smtClean="0"/>
+              <a:rPr lang="en-US"/>
               <a:t>Click to edit Master title style</a:t>
             </a:r>
-            <a:endParaRPr lang="en-US"/>
           </a:p>
         </p:txBody>
       </p:sp>
@@ -1251,38 +1245,37 @@
           <a:p>
             <a:pPr lvl="0"/>
             <a:r>
-              <a:rPr lang="en-US" smtClean="0"/>
+              <a:rPr lang="en-US"/>
               <a:t>Click to edit Master text styles</a:t>
             </a:r>
           </a:p>
           <a:p>
             <a:pPr lvl="1"/>
             <a:r>
-              <a:rPr lang="en-US" smtClean="0"/>
+              <a:rPr lang="en-US"/>
               <a:t>Second level</a:t>
             </a:r>
           </a:p>
           <a:p>
             <a:pPr lvl="2"/>
             <a:r>
-              <a:rPr lang="en-US" smtClean="0"/>
+              <a:rPr lang="en-US"/>
               <a:t>Third level</a:t>
             </a:r>
           </a:p>
           <a:p>
             <a:pPr lvl="3"/>
             <a:r>
-              <a:rPr lang="en-US" smtClean="0"/>
+              <a:rPr lang="en-US"/>
               <a:t>Fourth level</a:t>
             </a:r>
           </a:p>
           <a:p>
             <a:pPr lvl="4"/>
             <a:r>
-              <a:rPr lang="en-US" smtClean="0"/>
+              <a:rPr lang="en-US"/>
               <a:t>Fifth level</a:t>
             </a:r>
-            <a:endParaRPr lang="en-US"/>
           </a:p>
         </p:txBody>
       </p:sp>
@@ -1303,7 +1296,7 @@
           <a:p>
             <a:fld id="{9B9A28E6-BEFD-394F-B035-3CDD28E2C38B}" type="datetimeFigureOut">
               <a:rPr lang="en-US" smtClean="0"/>
-              <a:t>1/16/2018</a:t>
+              <a:t>1/6/23</a:t>
             </a:fld>
             <a:endParaRPr lang="en-US"/>
           </a:p>
@@ -1397,10 +1390,9 @@
           <a:lstStyle/>
           <a:p>
             <a:r>
-              <a:rPr lang="en-US" smtClean="0"/>
+              <a:rPr lang="en-US"/>
               <a:t>Click to edit Master title style</a:t>
             </a:r>
-            <a:endParaRPr lang="en-US"/>
           </a:p>
         </p:txBody>
       </p:sp>
@@ -1421,38 +1413,37 @@
           <a:p>
             <a:pPr lvl="0"/>
             <a:r>
-              <a:rPr lang="en-US" smtClean="0"/>
+              <a:rPr lang="en-US"/>
               <a:t>Click to edit Master text styles</a:t>
             </a:r>
           </a:p>
           <a:p>
             <a:pPr lvl="1"/>
             <a:r>
-              <a:rPr lang="en-US" smtClean="0"/>
+              <a:rPr lang="en-US"/>
               <a:t>Second level</a:t>
             </a:r>
           </a:p>
           <a:p>
             <a:pPr lvl="2"/>
             <a:r>
-              <a:rPr lang="en-US" smtClean="0"/>
+              <a:rPr lang="en-US"/>
               <a:t>Third level</a:t>
             </a:r>
           </a:p>
           <a:p>
             <a:pPr lvl="3"/>
             <a:r>
-              <a:rPr lang="en-US" smtClean="0"/>
+              <a:rPr lang="en-US"/>
               <a:t>Fourth level</a:t>
             </a:r>
           </a:p>
           <a:p>
             <a:pPr lvl="4"/>
             <a:r>
-              <a:rPr lang="en-US" smtClean="0"/>
+              <a:rPr lang="en-US"/>
               <a:t>Fifth level</a:t>
             </a:r>
-            <a:endParaRPr lang="en-US"/>
           </a:p>
         </p:txBody>
       </p:sp>
@@ -1473,7 +1464,7 @@
           <a:p>
             <a:fld id="{9B9A28E6-BEFD-394F-B035-3CDD28E2C38B}" type="datetimeFigureOut">
               <a:rPr lang="en-US" smtClean="0"/>
-              <a:t>1/16/2018</a:t>
+              <a:t>1/6/23</a:t>
             </a:fld>
             <a:endParaRPr lang="en-US"/>
           </a:p>
@@ -1576,10 +1567,9 @@
           </a:lstStyle>
           <a:p>
             <a:r>
-              <a:rPr lang="en-US" smtClean="0"/>
+              <a:rPr lang="en-US"/>
               <a:t>Click to edit Master title style</a:t>
             </a:r>
-            <a:endParaRPr lang="en-US"/>
           </a:p>
         </p:txBody>
       </p:sp>
@@ -1696,7 +1686,7 @@
           <a:p>
             <a:pPr lvl="0"/>
             <a:r>
-              <a:rPr lang="en-US" smtClean="0"/>
+              <a:rPr lang="en-US"/>
               <a:t>Click to edit Master text styles</a:t>
             </a:r>
           </a:p>
@@ -1719,7 +1709,7 @@
           <a:p>
             <a:fld id="{9B9A28E6-BEFD-394F-B035-3CDD28E2C38B}" type="datetimeFigureOut">
               <a:rPr lang="en-US" smtClean="0"/>
-              <a:t>1/16/2018</a:t>
+              <a:t>1/6/23</a:t>
             </a:fld>
             <a:endParaRPr lang="en-US"/>
           </a:p>
@@ -1813,10 +1803,9 @@
           <a:lstStyle/>
           <a:p>
             <a:r>
-              <a:rPr lang="en-US" smtClean="0"/>
+              <a:rPr lang="en-US"/>
               <a:t>Click to edit Master title style</a:t>
             </a:r>
-            <a:endParaRPr lang="en-US"/>
           </a:p>
         </p:txBody>
       </p:sp>
@@ -1870,38 +1859,37 @@
           <a:p>
             <a:pPr lvl="0"/>
             <a:r>
-              <a:rPr lang="en-US" smtClean="0"/>
+              <a:rPr lang="en-US"/>
               <a:t>Click to edit Master text styles</a:t>
             </a:r>
           </a:p>
           <a:p>
             <a:pPr lvl="1"/>
             <a:r>
-              <a:rPr lang="en-US" smtClean="0"/>
+              <a:rPr lang="en-US"/>
               <a:t>Second level</a:t>
             </a:r>
           </a:p>
           <a:p>
             <a:pPr lvl="2"/>
             <a:r>
-              <a:rPr lang="en-US" smtClean="0"/>
+              <a:rPr lang="en-US"/>
               <a:t>Third level</a:t>
             </a:r>
           </a:p>
           <a:p>
             <a:pPr lvl="3"/>
             <a:r>
-              <a:rPr lang="en-US" smtClean="0"/>
+              <a:rPr lang="en-US"/>
               <a:t>Fourth level</a:t>
             </a:r>
           </a:p>
           <a:p>
             <a:pPr lvl="4"/>
             <a:r>
-              <a:rPr lang="en-US" smtClean="0"/>
+              <a:rPr lang="en-US"/>
               <a:t>Fifth level</a:t>
             </a:r>
-            <a:endParaRPr lang="en-US"/>
           </a:p>
         </p:txBody>
       </p:sp>
@@ -1955,38 +1943,37 @@
           <a:p>
             <a:pPr lvl="0"/>
             <a:r>
-              <a:rPr lang="en-US" smtClean="0"/>
+              <a:rPr lang="en-US"/>
               <a:t>Click to edit Master text styles</a:t>
             </a:r>
           </a:p>
           <a:p>
             <a:pPr lvl="1"/>
             <a:r>
-              <a:rPr lang="en-US" smtClean="0"/>
+              <a:rPr lang="en-US"/>
               <a:t>Second level</a:t>
             </a:r>
           </a:p>
           <a:p>
             <a:pPr lvl="2"/>
             <a:r>
-              <a:rPr lang="en-US" smtClean="0"/>
+              <a:rPr lang="en-US"/>
               <a:t>Third level</a:t>
             </a:r>
           </a:p>
           <a:p>
             <a:pPr lvl="3"/>
             <a:r>
-              <a:rPr lang="en-US" smtClean="0"/>
+              <a:rPr lang="en-US"/>
               <a:t>Fourth level</a:t>
             </a:r>
           </a:p>
           <a:p>
             <a:pPr lvl="4"/>
             <a:r>
-              <a:rPr lang="en-US" smtClean="0"/>
+              <a:rPr lang="en-US"/>
               <a:t>Fifth level</a:t>
             </a:r>
-            <a:endParaRPr lang="en-US"/>
           </a:p>
         </p:txBody>
       </p:sp>
@@ -2007,7 +1994,7 @@
           <a:p>
             <a:fld id="{9B9A28E6-BEFD-394F-B035-3CDD28E2C38B}" type="datetimeFigureOut">
               <a:rPr lang="en-US" smtClean="0"/>
-              <a:t>1/16/2018</a:t>
+              <a:t>1/6/23</a:t>
             </a:fld>
             <a:endParaRPr lang="en-US"/>
           </a:p>
@@ -2110,10 +2097,9 @@
           </a:lstStyle>
           <a:p>
             <a:r>
-              <a:rPr lang="en-US" smtClean="0"/>
+              <a:rPr lang="en-US"/>
               <a:t>Click to edit Master title style</a:t>
             </a:r>
-            <a:endParaRPr lang="en-US"/>
           </a:p>
         </p:txBody>
       </p:sp>
@@ -2176,7 +2162,7 @@
           <a:p>
             <a:pPr lvl="0"/>
             <a:r>
-              <a:rPr lang="en-US" smtClean="0"/>
+              <a:rPr lang="en-US"/>
               <a:t>Click to edit Master text styles</a:t>
             </a:r>
           </a:p>
@@ -2232,38 +2218,37 @@
           <a:p>
             <a:pPr lvl="0"/>
             <a:r>
-              <a:rPr lang="en-US" smtClean="0"/>
+              <a:rPr lang="en-US"/>
               <a:t>Click to edit Master text styles</a:t>
             </a:r>
           </a:p>
           <a:p>
             <a:pPr lvl="1"/>
             <a:r>
-              <a:rPr lang="en-US" smtClean="0"/>
+              <a:rPr lang="en-US"/>
               <a:t>Second level</a:t>
             </a:r>
           </a:p>
           <a:p>
             <a:pPr lvl="2"/>
             <a:r>
-              <a:rPr lang="en-US" smtClean="0"/>
+              <a:rPr lang="en-US"/>
               <a:t>Third level</a:t>
             </a:r>
           </a:p>
           <a:p>
             <a:pPr lvl="3"/>
             <a:r>
-              <a:rPr lang="en-US" smtClean="0"/>
+              <a:rPr lang="en-US"/>
               <a:t>Fourth level</a:t>
             </a:r>
           </a:p>
           <a:p>
             <a:pPr lvl="4"/>
             <a:r>
-              <a:rPr lang="en-US" smtClean="0"/>
+              <a:rPr lang="en-US"/>
               <a:t>Fifth level</a:t>
             </a:r>
-            <a:endParaRPr lang="en-US"/>
           </a:p>
         </p:txBody>
       </p:sp>
@@ -2326,7 +2311,7 @@
           <a:p>
             <a:pPr lvl="0"/>
             <a:r>
-              <a:rPr lang="en-US" smtClean="0"/>
+              <a:rPr lang="en-US"/>
               <a:t>Click to edit Master text styles</a:t>
             </a:r>
           </a:p>
@@ -2382,38 +2367,37 @@
           <a:p>
             <a:pPr lvl="0"/>
             <a:r>
-              <a:rPr lang="en-US" smtClean="0"/>
+              <a:rPr lang="en-US"/>
               <a:t>Click to edit Master text styles</a:t>
             </a:r>
           </a:p>
           <a:p>
             <a:pPr lvl="1"/>
             <a:r>
-              <a:rPr lang="en-US" smtClean="0"/>
+              <a:rPr lang="en-US"/>
               <a:t>Second level</a:t>
             </a:r>
           </a:p>
           <a:p>
             <a:pPr lvl="2"/>
             <a:r>
-              <a:rPr lang="en-US" smtClean="0"/>
+              <a:rPr lang="en-US"/>
               <a:t>Third level</a:t>
             </a:r>
           </a:p>
           <a:p>
             <a:pPr lvl="3"/>
             <a:r>
-              <a:rPr lang="en-US" smtClean="0"/>
+              <a:rPr lang="en-US"/>
               <a:t>Fourth level</a:t>
             </a:r>
           </a:p>
           <a:p>
             <a:pPr lvl="4"/>
             <a:r>
-              <a:rPr lang="en-US" smtClean="0"/>
+              <a:rPr lang="en-US"/>
               <a:t>Fifth level</a:t>
             </a:r>
-            <a:endParaRPr lang="en-US"/>
           </a:p>
         </p:txBody>
       </p:sp>
@@ -2434,7 +2418,7 @@
           <a:p>
             <a:fld id="{9B9A28E6-BEFD-394F-B035-3CDD28E2C38B}" type="datetimeFigureOut">
               <a:rPr lang="en-US" smtClean="0"/>
-              <a:t>1/16/2018</a:t>
+              <a:t>1/6/23</a:t>
             </a:fld>
             <a:endParaRPr lang="en-US"/>
           </a:p>
@@ -2528,10 +2512,9 @@
           <a:lstStyle/>
           <a:p>
             <a:r>
-              <a:rPr lang="en-US" smtClean="0"/>
+              <a:rPr lang="en-US"/>
               <a:t>Click to edit Master title style</a:t>
             </a:r>
-            <a:endParaRPr lang="en-US"/>
           </a:p>
         </p:txBody>
       </p:sp>
@@ -2552,7 +2535,7 @@
           <a:p>
             <a:fld id="{9B9A28E6-BEFD-394F-B035-3CDD28E2C38B}" type="datetimeFigureOut">
               <a:rPr lang="en-US" smtClean="0"/>
-              <a:t>1/16/2018</a:t>
+              <a:t>1/6/23</a:t>
             </a:fld>
             <a:endParaRPr lang="en-US"/>
           </a:p>
@@ -2647,7 +2630,7 @@
           <a:p>
             <a:fld id="{9B9A28E6-BEFD-394F-B035-3CDD28E2C38B}" type="datetimeFigureOut">
               <a:rPr lang="en-US" smtClean="0"/>
-              <a:t>1/16/2018</a:t>
+              <a:t>1/6/23</a:t>
             </a:fld>
             <a:endParaRPr lang="en-US"/>
           </a:p>
@@ -2750,10 +2733,9 @@
           </a:lstStyle>
           <a:p>
             <a:r>
-              <a:rPr lang="en-US" smtClean="0"/>
+              <a:rPr lang="en-US"/>
               <a:t>Click to edit Master title style</a:t>
             </a:r>
-            <a:endParaRPr lang="en-US"/>
           </a:p>
         </p:txBody>
       </p:sp>
@@ -2807,38 +2789,37 @@
           <a:p>
             <a:pPr lvl="0"/>
             <a:r>
-              <a:rPr lang="en-US" smtClean="0"/>
+              <a:rPr lang="en-US"/>
               <a:t>Click to edit Master text styles</a:t>
             </a:r>
           </a:p>
           <a:p>
             <a:pPr lvl="1"/>
             <a:r>
-              <a:rPr lang="en-US" smtClean="0"/>
+              <a:rPr lang="en-US"/>
               <a:t>Second level</a:t>
             </a:r>
           </a:p>
           <a:p>
             <a:pPr lvl="2"/>
             <a:r>
-              <a:rPr lang="en-US" smtClean="0"/>
+              <a:rPr lang="en-US"/>
               <a:t>Third level</a:t>
             </a:r>
           </a:p>
           <a:p>
             <a:pPr lvl="3"/>
             <a:r>
-              <a:rPr lang="en-US" smtClean="0"/>
+              <a:rPr lang="en-US"/>
               <a:t>Fourth level</a:t>
             </a:r>
           </a:p>
           <a:p>
             <a:pPr lvl="4"/>
             <a:r>
-              <a:rPr lang="en-US" smtClean="0"/>
+              <a:rPr lang="en-US"/>
               <a:t>Fifth level</a:t>
             </a:r>
-            <a:endParaRPr lang="en-US"/>
           </a:p>
         </p:txBody>
       </p:sp>
@@ -2901,7 +2882,7 @@
           <a:p>
             <a:pPr lvl="0"/>
             <a:r>
-              <a:rPr lang="en-US" smtClean="0"/>
+              <a:rPr lang="en-US"/>
               <a:t>Click to edit Master text styles</a:t>
             </a:r>
           </a:p>
@@ -2924,7 +2905,7 @@
           <a:p>
             <a:fld id="{9B9A28E6-BEFD-394F-B035-3CDD28E2C38B}" type="datetimeFigureOut">
               <a:rPr lang="en-US" smtClean="0"/>
-              <a:t>1/16/2018</a:t>
+              <a:t>1/6/23</a:t>
             </a:fld>
             <a:endParaRPr lang="en-US"/>
           </a:p>
@@ -3027,10 +3008,9 @@
           </a:lstStyle>
           <a:p>
             <a:r>
-              <a:rPr lang="en-US" smtClean="0"/>
+              <a:rPr lang="en-US"/>
               <a:t>Click to edit Master title style</a:t>
             </a:r>
-            <a:endParaRPr lang="en-US"/>
           </a:p>
         </p:txBody>
       </p:sp>
@@ -3154,7 +3134,7 @@
           <a:p>
             <a:pPr lvl="0"/>
             <a:r>
-              <a:rPr lang="en-US" smtClean="0"/>
+              <a:rPr lang="en-US"/>
               <a:t>Click to edit Master text styles</a:t>
             </a:r>
           </a:p>
@@ -3177,7 +3157,7 @@
           <a:p>
             <a:fld id="{9B9A28E6-BEFD-394F-B035-3CDD28E2C38B}" type="datetimeFigureOut">
               <a:rPr lang="en-US" smtClean="0"/>
-              <a:t>1/16/2018</a:t>
+              <a:t>1/6/23</a:t>
             </a:fld>
             <a:endParaRPr lang="en-US"/>
           </a:p>
@@ -3286,10 +3266,9 @@
           <a:lstStyle/>
           <a:p>
             <a:r>
-              <a:rPr lang="en-US" smtClean="0"/>
+              <a:rPr lang="en-US"/>
               <a:t>Click to edit Master title style</a:t>
             </a:r>
-            <a:endParaRPr lang="en-US"/>
           </a:p>
         </p:txBody>
       </p:sp>
@@ -3320,38 +3299,37 @@
           <a:p>
             <a:pPr lvl="0"/>
             <a:r>
-              <a:rPr lang="en-US" smtClean="0"/>
+              <a:rPr lang="en-US"/>
               <a:t>Click to edit Master text styles</a:t>
             </a:r>
           </a:p>
           <a:p>
             <a:pPr lvl="1"/>
             <a:r>
-              <a:rPr lang="en-US" smtClean="0"/>
+              <a:rPr lang="en-US"/>
               <a:t>Second level</a:t>
             </a:r>
           </a:p>
           <a:p>
             <a:pPr lvl="2"/>
             <a:r>
-              <a:rPr lang="en-US" smtClean="0"/>
+              <a:rPr lang="en-US"/>
               <a:t>Third level</a:t>
             </a:r>
           </a:p>
           <a:p>
             <a:pPr lvl="3"/>
             <a:r>
-              <a:rPr lang="en-US" smtClean="0"/>
+              <a:rPr lang="en-US"/>
               <a:t>Fourth level</a:t>
             </a:r>
           </a:p>
           <a:p>
             <a:pPr lvl="4"/>
             <a:r>
-              <a:rPr lang="en-US" smtClean="0"/>
+              <a:rPr lang="en-US"/>
               <a:t>Fifth level</a:t>
             </a:r>
-            <a:endParaRPr lang="en-US"/>
           </a:p>
         </p:txBody>
       </p:sp>
@@ -3390,7 +3368,7 @@
           <a:p>
             <a:fld id="{9B9A28E6-BEFD-394F-B035-3CDD28E2C38B}" type="datetimeFigureOut">
               <a:rPr lang="en-US" smtClean="0"/>
-              <a:t>1/16/2018</a:t>
+              <a:t>1/6/23</a:t>
             </a:fld>
             <a:endParaRPr lang="en-US"/>
           </a:p>
@@ -3815,7 +3793,7 @@
               <a:t>Geospatial data management with </a:t>
             </a:r>
             <a:r>
-              <a:rPr lang="en-US" sz="3200" dirty="0" err="1" smtClean="0">
+              <a:rPr lang="en-US" sz="3200" dirty="0" err="1">
                 <a:solidFill>
                   <a:schemeClr val="dk1"/>
                 </a:solidFill>
@@ -3825,19 +3803,8 @@
               </a:rPr>
               <a:t>PostGIS</a:t>
             </a:r>
-            <a:r>
-              <a:rPr lang="en-US" sz="3200" dirty="0" smtClean="0">
-                <a:solidFill>
-                  <a:schemeClr val="dk1"/>
-                </a:solidFill>
-                <a:ea typeface="Calibri"/>
-                <a:cs typeface="Calibri"/>
-                <a:sym typeface="Calibri"/>
-              </a:rPr>
-              <a:t/>
-            </a:r>
             <a:br>
-              <a:rPr lang="en-US" sz="3200" dirty="0" smtClean="0">
+              <a:rPr lang="en-US" sz="3200" dirty="0">
                 <a:solidFill>
                   <a:schemeClr val="dk1"/>
                 </a:solidFill>
@@ -3902,7 +3869,7 @@
               <a:buNone/>
             </a:pPr>
             <a:r>
-              <a:rPr lang="en-US" sz="3200" b="0" i="0" u="none" strike="noStrike" cap="none" dirty="0" smtClean="0">
+              <a:rPr lang="en-US" sz="3200" b="0" i="0" u="none" strike="noStrike" cap="none" dirty="0">
                 <a:solidFill>
                   <a:srgbClr val="888888"/>
                 </a:solidFill>
@@ -3911,7 +3878,7 @@
                 <a:cs typeface="Calibri"/>
                 <a:sym typeface="Calibri"/>
               </a:rPr>
-              <a:t>Harvard Data Fest </a:t>
+              <a:t>GIS Institute </a:t>
             </a:r>
           </a:p>
           <a:p>
@@ -3930,7 +3897,7 @@
               <a:buNone/>
             </a:pPr>
             <a:r>
-              <a:rPr lang="en-US" sz="1800" dirty="0">
+              <a:rPr lang="en-US" dirty="0">
                 <a:solidFill>
                   <a:srgbClr val="888888"/>
                 </a:solidFill>
@@ -3939,19 +3906,7 @@
                 <a:cs typeface="Calibri"/>
                 <a:sym typeface="Calibri"/>
               </a:rPr>
-              <a:t>January 17th, </a:t>
-            </a:r>
-            <a:r>
-              <a:rPr lang="en-US" sz="1800" dirty="0" smtClean="0">
-                <a:solidFill>
-                  <a:srgbClr val="888888"/>
-                </a:solidFill>
-                <a:latin typeface="Calibri"/>
-                <a:ea typeface="Calibri"/>
-                <a:cs typeface="Calibri"/>
-                <a:sym typeface="Calibri"/>
-              </a:rPr>
-              <a:t>2018</a:t>
+              <a:t>Jan, 2023</a:t>
             </a:r>
             <a:endParaRPr lang="en-US" sz="2000" dirty="0">
               <a:solidFill>
@@ -3978,7 +3933,7 @@
               <a:buFont typeface="Arial"/>
               <a:buNone/>
             </a:pPr>
-            <a:endParaRPr lang="en-US" sz="2000" b="0" i="0" u="none" strike="noStrike" cap="none" dirty="0" smtClean="0">
+            <a:endParaRPr lang="en-US" sz="2000" b="0" i="0" u="none" strike="noStrike" cap="none" dirty="0">
               <a:solidFill>
                 <a:srgbClr val="888888"/>
               </a:solidFill>
@@ -4029,7 +3984,7 @@
               <a:buNone/>
             </a:pPr>
             <a:r>
-              <a:rPr lang="en" sz="1800" b="0" i="0" u="none" strike="noStrike" cap="none" dirty="0" smtClean="0">
+              <a:rPr lang="en" sz="1800" b="0" i="0" u="none" strike="noStrike" cap="none" dirty="0">
                 <a:solidFill>
                   <a:srgbClr val="888888"/>
                 </a:solidFill>
@@ -4040,15 +3995,6 @@
               </a:rPr>
               <a:t>Devika Kakkar</a:t>
             </a:r>
-            <a:endParaRPr lang="en" sz="1800" b="0" i="0" u="none" strike="noStrike" cap="none" dirty="0">
-              <a:solidFill>
-                <a:srgbClr val="888888"/>
-              </a:solidFill>
-              <a:latin typeface="Calibri"/>
-              <a:ea typeface="Calibri"/>
-              <a:cs typeface="Calibri"/>
-              <a:sym typeface="Calibri"/>
-            </a:endParaRPr>
           </a:p>
         </p:txBody>
       </p:sp>
@@ -4121,13 +4067,6 @@
   <p:clrMapOvr>
     <a:masterClrMapping/>
   </p:clrMapOvr>
-  <p:timing>
-    <p:tnLst>
-      <p:par>
-        <p:cTn id="1" dur="indefinite" restart="never" nodeType="tmRoot"/>
-      </p:par>
-    </p:tnLst>
-  </p:timing>
 </p:sld>
 </file>
 
@@ -4188,20 +4127,8 @@
               <a:buFont typeface="Calibri"/>
               <a:buNone/>
             </a:pPr>
-            <a:r>
-              <a:rPr lang="en" sz="4400" b="0" i="0" u="none" strike="noStrike" cap="none" dirty="0" smtClean="0">
-                <a:solidFill>
-                  <a:schemeClr val="dk1"/>
-                </a:solidFill>
-                <a:latin typeface="Calibri"/>
-                <a:ea typeface="Calibri"/>
-                <a:cs typeface="Calibri"/>
-                <a:sym typeface="Calibri"/>
-              </a:rPr>
-              <a:t/>
-            </a:r>
             <a:br>
-              <a:rPr lang="en" sz="4400" b="0" i="0" u="none" strike="noStrike" cap="none" dirty="0" smtClean="0">
+              <a:rPr lang="en" sz="4400" b="0" i="0" u="none" strike="noStrike" cap="none" dirty="0">
                 <a:solidFill>
                   <a:schemeClr val="dk1"/>
                 </a:solidFill>
@@ -4211,18 +4138,6 @@
                 <a:sym typeface="Calibri"/>
               </a:rPr>
             </a:br>
-            <a:r>
-              <a:rPr lang="en" dirty="0">
-                <a:solidFill>
-                  <a:schemeClr val="dk1"/>
-                </a:solidFill>
-                <a:latin typeface="Calibri"/>
-                <a:ea typeface="Calibri"/>
-                <a:cs typeface="Calibri"/>
-                <a:sym typeface="Calibri"/>
-              </a:rPr>
-              <a:t/>
-            </a:r>
             <a:br>
               <a:rPr lang="en" dirty="0">
                 <a:solidFill>
@@ -4235,18 +4150,6 @@
               </a:rPr>
             </a:br>
             <a:r>
-              <a:rPr lang="en" sz="4400" b="0" i="0" u="none" strike="noStrike" cap="none" dirty="0" smtClean="0">
-                <a:solidFill>
-                  <a:schemeClr val="dk1"/>
-                </a:solidFill>
-                <a:latin typeface="Calibri"/>
-                <a:ea typeface="Calibri"/>
-                <a:cs typeface="Calibri"/>
-                <a:sym typeface="Calibri"/>
-              </a:rPr>
-              <a:t>Thank </a:t>
-            </a:r>
-            <a:r>
               <a:rPr lang="en" sz="4400" b="0" i="0" u="none" strike="noStrike" cap="none" dirty="0">
                 <a:solidFill>
                   <a:schemeClr val="dk1"/>
@@ -4256,7 +4159,7 @@
                 <a:cs typeface="Calibri"/>
                 <a:sym typeface="Calibri"/>
               </a:rPr>
-              <a:t>you</a:t>
+              <a:t>Thank you</a:t>
             </a:r>
           </a:p>
         </p:txBody>
@@ -4304,7 +4207,7 @@
               <a:buFont typeface="Arial"/>
               <a:buNone/>
             </a:pPr>
-            <a:endParaRPr lang="en-US" sz="3200" b="0" i="0" u="none" strike="noStrike" cap="none" dirty="0" smtClean="0">
+            <a:endParaRPr lang="en-US" sz="3200" b="0" i="0" u="none" strike="noStrike" cap="none" dirty="0">
               <a:solidFill>
                 <a:schemeClr val="dk1"/>
               </a:solidFill>
@@ -4325,7 +4228,7 @@
               <a:buSzPct val="25000"/>
               <a:buNone/>
             </a:pPr>
-            <a:endParaRPr lang="en" sz="3200" b="0" i="0" u="none" strike="noStrike" cap="none" dirty="0" smtClean="0">
+            <a:endParaRPr lang="en" sz="3200" b="0" i="0" u="none" strike="noStrike" cap="none" dirty="0">
               <a:solidFill>
                 <a:schemeClr val="dk1"/>
               </a:solidFill>
@@ -4347,7 +4250,7 @@
               <a:buNone/>
             </a:pPr>
             <a:r>
-              <a:rPr lang="en" sz="3200" b="0" i="0" u="none" strike="noStrike" cap="none" dirty="0" smtClean="0">
+              <a:rPr lang="en" sz="3200" b="0" i="0" u="none" strike="noStrike" cap="none" dirty="0">
                 <a:solidFill>
                   <a:schemeClr val="dk1"/>
                 </a:solidFill>
@@ -4371,7 +4274,7 @@
               <a:buNone/>
             </a:pPr>
             <a:r>
-              <a:rPr lang="en" dirty="0" smtClean="0">
+              <a:rPr lang="en" dirty="0">
                 <a:solidFill>
                   <a:schemeClr val="dk1"/>
                 </a:solidFill>
@@ -4404,13 +4307,6 @@
   <p:clrMapOvr>
     <a:masterClrMapping/>
   </p:clrMapOvr>
-  <p:timing>
-    <p:tnLst>
-      <p:par>
-        <p:cTn id="1" dur="indefinite" restart="never" nodeType="tmRoot"/>
-      </p:par>
-    </p:tnLst>
-  </p:timing>
 </p:sld>
 </file>
 
@@ -4447,10 +4343,9 @@
           <a:lstStyle/>
           <a:p>
             <a:r>
-              <a:rPr lang="en-US" dirty="0" smtClean="0"/>
+              <a:rPr lang="en-US" dirty="0"/>
               <a:t>Introduction</a:t>
             </a:r>
-            <a:endParaRPr lang="en-US" dirty="0"/>
           </a:p>
         </p:txBody>
       </p:sp>
@@ -4472,40 +4367,28 @@
           <a:lstStyle/>
           <a:p>
             <a:r>
-              <a:rPr lang="en-US" b="1" dirty="0" smtClean="0"/>
+              <a:rPr lang="en-US" b="1" dirty="0"/>
               <a:t>PostgreSQL</a:t>
             </a:r>
             <a:r>
-              <a:rPr lang="en-US" dirty="0" smtClean="0"/>
-              <a:t> </a:t>
-            </a:r>
-            <a:r>
               <a:rPr lang="en-US" dirty="0"/>
-              <a:t>is a powerful, object-relational database management system (ORDBMS</a:t>
-            </a:r>
-            <a:r>
-              <a:rPr lang="en-US" dirty="0" smtClean="0"/>
-              <a:t>)</a:t>
-            </a:r>
-          </a:p>
-          <a:p>
-            <a:r>
-              <a:rPr lang="en-US" b="1" dirty="0" err="1" smtClean="0"/>
+              <a:t> is a powerful, object-relational database management system (ORDBMS)</a:t>
+            </a:r>
+          </a:p>
+          <a:p>
+            <a:r>
+              <a:rPr lang="en-US" b="1" dirty="0" err="1"/>
               <a:t>PostGIS</a:t>
             </a:r>
             <a:r>
-              <a:rPr lang="en-US" dirty="0" smtClean="0"/>
+              <a:rPr lang="en-US" dirty="0"/>
               <a:t> adds </a:t>
             </a:r>
             <a:r>
               <a:rPr lang="en-US" altLang="en-US" dirty="0"/>
-              <a:t>support for geographic objects to the PostgreSQL object-relational </a:t>
-            </a:r>
-            <a:r>
-              <a:rPr lang="en-US" altLang="en-US" dirty="0" smtClean="0"/>
-              <a:t>database</a:t>
-            </a:r>
-            <a:endParaRPr lang="en-US" dirty="0" smtClean="0"/>
+              <a:t>support for geographic objects to the PostgreSQL object-relational database</a:t>
+            </a:r>
+            <a:endParaRPr lang="en-US" dirty="0"/>
           </a:p>
           <a:p>
             <a:r>
@@ -4514,21 +4397,13 @@
             </a:r>
             <a:r>
               <a:rPr lang="en-US" dirty="0"/>
-              <a:t> is a spatial database: Spatial databases store and manipulate spatial objects like any other object in the </a:t>
-            </a:r>
-            <a:r>
-              <a:rPr lang="en-US" dirty="0" smtClean="0"/>
-              <a:t>database</a:t>
-            </a:r>
-          </a:p>
-          <a:p>
-            <a:r>
-              <a:rPr lang="en-US" dirty="0" smtClean="0"/>
-              <a:t>Oracle </a:t>
-            </a:r>
+              <a:t> is a spatial database: Spatial databases store and manipulate spatial objects like any other object in the database</a:t>
+            </a:r>
+          </a:p>
+          <a:p>
             <a:r>
               <a:rPr lang="en-US" dirty="0"/>
-              <a:t>Spatial and SQL Server (2008 and later) are also spatial databases</a:t>
+              <a:t>Oracle Spatial and SQL Server (2008 and later) are also spatial databases</a:t>
             </a:r>
             <a:endParaRPr lang="en-US" altLang="en-US" dirty="0"/>
           </a:p>
@@ -4547,13 +4422,6 @@
   <p:clrMapOvr>
     <a:masterClrMapping/>
   </p:clrMapOvr>
-  <p:timing>
-    <p:tnLst>
-      <p:par>
-        <p:cTn id="1" dur="indefinite" restart="never" nodeType="tmRoot"/>
-      </p:par>
-    </p:tnLst>
-  </p:timing>
 </p:sld>
 </file>
 
@@ -4590,14 +4458,13 @@
           <a:lstStyle/>
           <a:p>
             <a:r>
-              <a:rPr lang="en-US" dirty="0" err="1" smtClean="0"/>
+              <a:rPr lang="en-US" dirty="0" err="1"/>
               <a:t>PostGIS</a:t>
             </a:r>
             <a:r>
-              <a:rPr lang="en-US" dirty="0" smtClean="0"/>
+              <a:rPr lang="en-US" dirty="0"/>
               <a:t> Overview/History</a:t>
             </a:r>
-            <a:endParaRPr lang="en-US" dirty="0"/>
           </a:p>
         </p:txBody>
       </p:sp>
@@ -4726,13 +4593,6 @@
   <p:clrMapOvr>
     <a:masterClrMapping/>
   </p:clrMapOvr>
-  <p:timing>
-    <p:tnLst>
-      <p:par>
-        <p:cTn id="1" dur="indefinite" restart="never" nodeType="tmRoot"/>
-      </p:par>
-    </p:tnLst>
-  </p:timing>
 </p:sld>
 </file>
 
@@ -4769,18 +4629,17 @@
           <a:lstStyle/>
           <a:p>
             <a:r>
-              <a:rPr lang="en-US" dirty="0" smtClean="0"/>
+              <a:rPr lang="en-US" dirty="0"/>
               <a:t>Why </a:t>
             </a:r>
             <a:r>
-              <a:rPr lang="en-US" dirty="0" err="1" smtClean="0"/>
+              <a:rPr lang="en-US" dirty="0" err="1"/>
               <a:t>PostGIS</a:t>
             </a:r>
             <a:r>
-              <a:rPr lang="en-US" dirty="0" smtClean="0"/>
+              <a:rPr lang="en-US" dirty="0"/>
               <a:t> ?</a:t>
             </a:r>
-            <a:endParaRPr lang="en-US" dirty="0"/>
           </a:p>
         </p:txBody>
       </p:sp>
@@ -4807,13 +4666,8 @@
             </a:pPr>
             <a:r>
               <a:rPr lang="en-CA" altLang="en-US" dirty="0"/>
-              <a:t>Support multiple users editing and accessing the same data at the same </a:t>
-            </a:r>
-            <a:r>
-              <a:rPr lang="en-CA" altLang="en-US" dirty="0" smtClean="0"/>
-              <a:t>time</a:t>
-            </a:r>
-            <a:endParaRPr lang="en-CA" altLang="en-US" dirty="0"/>
+              <a:t>Support multiple users editing and accessing the same data at the same time</a:t>
+            </a:r>
           </a:p>
           <a:p>
             <a:pPr>
@@ -4822,11 +4676,7 @@
             </a:pPr>
             <a:r>
               <a:rPr lang="en-CA" altLang="en-US" dirty="0"/>
-              <a:t>Support large data volumes better than </a:t>
-            </a:r>
-            <a:r>
-              <a:rPr lang="en-CA" altLang="en-US" dirty="0" smtClean="0"/>
-              <a:t>files</a:t>
+              <a:t>Support large data volumes better than files</a:t>
             </a:r>
           </a:p>
           <a:p>
@@ -4835,16 +4685,8 @@
               <a:buChar char="•"/>
             </a:pPr>
             <a:r>
-              <a:rPr lang="en-CA" altLang="en-US" dirty="0" smtClean="0"/>
-              <a:t>Provide </a:t>
-            </a:r>
-            <a:r>
               <a:rPr lang="en-CA" altLang="en-US" dirty="0"/>
-              <a:t>a unified means of accessing and analysing </a:t>
-            </a:r>
-            <a:r>
-              <a:rPr lang="en-CA" altLang="en-US" dirty="0" smtClean="0"/>
-              <a:t>data</a:t>
+              <a:t>Provide a unified means of accessing and analysing data</a:t>
             </a:r>
           </a:p>
           <a:p>
@@ -4853,18 +4695,9 @@
               <a:buChar char="•"/>
             </a:pPr>
             <a:r>
-              <a:rPr lang="en-CA" altLang="en-US" dirty="0" smtClean="0"/>
-              <a:t>Provide </a:t>
-            </a:r>
-            <a:r>
               <a:rPr lang="en-CA" altLang="en-US" dirty="0"/>
-              <a:t>a unified means of access control for </a:t>
-            </a:r>
-            <a:r>
-              <a:rPr lang="en-CA" altLang="en-US" dirty="0" smtClean="0"/>
-              <a:t>data</a:t>
-            </a:r>
-            <a:endParaRPr lang="en-CA" altLang="en-US" dirty="0" smtClean="0"/>
+              <a:t>Provide a unified means of access control for data</a:t>
+            </a:r>
           </a:p>
           <a:p>
             <a:pPr>
@@ -4872,24 +4705,8 @@
               <a:buChar char="•"/>
             </a:pPr>
             <a:r>
-              <a:rPr lang="en-CA" altLang="en-US" dirty="0" smtClean="0"/>
-              <a:t>Provide </a:t>
-            </a:r>
-            <a:r>
               <a:rPr lang="en-CA" altLang="en-US" dirty="0"/>
-              <a:t>an integration point for spatial data </a:t>
-            </a:r>
-            <a:r>
-              <a:rPr lang="en-CA" altLang="en-US" dirty="0" smtClean="0"/>
-              <a:t>and </a:t>
-            </a:r>
-            <a:r>
-              <a:rPr lang="en-CA" altLang="en-US" dirty="0"/>
-              <a:t>enterprise </a:t>
-            </a:r>
-            <a:r>
-              <a:rPr lang="en-CA" altLang="en-US" dirty="0" smtClean="0"/>
-              <a:t>data</a:t>
+              <a:t>Provide an integration point for spatial data and enterprise data</a:t>
             </a:r>
           </a:p>
           <a:p>
@@ -4898,20 +4715,12 @@
               <a:buChar char="•"/>
             </a:pPr>
             <a:r>
-              <a:rPr lang="en-CA" altLang="en-US" dirty="0" smtClean="0"/>
+              <a:rPr lang="en-CA" altLang="en-US" dirty="0"/>
               <a:t>Supports complex </a:t>
             </a:r>
             <a:r>
-              <a:rPr lang="en-US" dirty="0" smtClean="0"/>
-              <a:t>ad </a:t>
-            </a:r>
-            <a:r>
               <a:rPr lang="en-US" dirty="0"/>
-              <a:t>hoc </a:t>
-            </a:r>
-            <a:r>
-              <a:rPr lang="en-US" dirty="0" smtClean="0"/>
-              <a:t>queries</a:t>
+              <a:t>ad hoc queries</a:t>
             </a:r>
           </a:p>
           <a:p>
@@ -4921,24 +4730,15 @@
             </a:pPr>
             <a:r>
               <a:rPr lang="en-US" dirty="0"/>
-              <a:t>P</a:t>
-            </a:r>
-            <a:r>
-              <a:rPr lang="en-US" dirty="0" smtClean="0"/>
-              <a:t>erformance </a:t>
-            </a:r>
-            <a:r>
-              <a:rPr lang="en-US" dirty="0"/>
-              <a:t>on large data sets</a:t>
-            </a:r>
-            <a:endParaRPr lang="en-US" dirty="0" smtClean="0"/>
+              <a:t>Performance on large data sets</a:t>
+            </a:r>
           </a:p>
           <a:p>
             <a:pPr>
               <a:buFontTx/>
               <a:buChar char="•"/>
             </a:pPr>
-            <a:endParaRPr lang="en-US" dirty="0" smtClean="0"/>
+            <a:endParaRPr lang="en-US" dirty="0"/>
           </a:p>
           <a:p>
             <a:pPr>
@@ -4959,13 +4759,6 @@
   <p:clrMapOvr>
     <a:masterClrMapping/>
   </p:clrMapOvr>
-  <p:timing>
-    <p:tnLst>
-      <p:par>
-        <p:cTn id="1" dur="indefinite" restart="never" nodeType="tmRoot"/>
-      </p:par>
-    </p:tnLst>
-  </p:timing>
 </p:sld>
 </file>
 
@@ -5002,18 +4795,17 @@
           <a:lstStyle/>
           <a:p>
             <a:r>
-              <a:rPr lang="en-US" dirty="0" smtClean="0"/>
+              <a:rPr lang="en-US" dirty="0"/>
               <a:t>Who uses </a:t>
             </a:r>
             <a:r>
-              <a:rPr lang="en-US" dirty="0" err="1" smtClean="0"/>
+              <a:rPr lang="en-US" dirty="0" err="1"/>
               <a:t>PostGIS</a:t>
             </a:r>
             <a:r>
-              <a:rPr lang="en-US" dirty="0" smtClean="0"/>
+              <a:rPr lang="en-US" dirty="0"/>
               <a:t> ?</a:t>
             </a:r>
-            <a:endParaRPr lang="en-US" dirty="0"/>
           </a:p>
         </p:txBody>
       </p:sp>
@@ -5060,11 +4852,7 @@
             </a:r>
             <a:r>
               <a:rPr lang="en-US" altLang="en-US" dirty="0"/>
-              <a:t> as the cost-effective foundation for managing the use of state-wide water </a:t>
-            </a:r>
-            <a:r>
-              <a:rPr lang="en-US" altLang="en-US" dirty="0" smtClean="0"/>
-              <a:t>resources</a:t>
+              <a:t> as the cost-effective foundation for managing the use of state-wide water resources</a:t>
             </a:r>
           </a:p>
           <a:p>
@@ -5073,11 +4861,11 @@
               <a:buChar char="•"/>
             </a:pPr>
             <a:r>
-              <a:rPr lang="en-US" b="1" dirty="0" err="1" smtClean="0"/>
+              <a:rPr lang="en-US" b="1" dirty="0" err="1"/>
               <a:t>Institut</a:t>
             </a:r>
             <a:r>
-              <a:rPr lang="en-US" b="1" dirty="0" smtClean="0"/>
+              <a:rPr lang="en-US" b="1" dirty="0"/>
               <a:t> </a:t>
             </a:r>
             <a:r>
@@ -5086,18 +4874,14 @@
             </a:r>
             <a:r>
               <a:rPr lang="en-US" b="1" dirty="0"/>
-              <a:t> National, </a:t>
-            </a:r>
-            <a:r>
-              <a:rPr lang="en-US" b="1" dirty="0" smtClean="0"/>
-              <a:t>France </a:t>
-            </a:r>
-            <a:r>
-              <a:rPr lang="en-US" dirty="0" smtClean="0"/>
+              <a:t> National, France </a:t>
+            </a:r>
+            <a:r>
+              <a:rPr lang="en-US" dirty="0"/>
               <a:t>is</a:t>
             </a:r>
             <a:r>
-              <a:rPr lang="en-US" dirty="0" smtClean="0">
+              <a:rPr lang="en-US" dirty="0">
                 <a:solidFill>
                   <a:srgbClr val="FF0000"/>
                 </a:solidFill>
@@ -5105,12 +4889,8 @@
               <a:t> </a:t>
             </a:r>
             <a:r>
-              <a:rPr lang="en-US" dirty="0" smtClean="0"/>
-              <a:t>the </a:t>
-            </a:r>
-            <a:r>
               <a:rPr lang="en-US" dirty="0"/>
-              <a:t>national mapping agency of France, and uses </a:t>
+              <a:t>the national mapping agency of France, and uses </a:t>
             </a:r>
             <a:r>
               <a:rPr lang="en-US" dirty="0" err="1"/>
@@ -5121,28 +4901,27 @@
               <a:t> to store the high resolution topographic map of the country, “</a:t>
             </a:r>
             <a:r>
-              <a:rPr lang="en-US" dirty="0" err="1" smtClean="0"/>
+              <a:rPr lang="en-US" dirty="0" err="1"/>
               <a:t>BDUni</a:t>
             </a:r>
             <a:r>
-              <a:rPr lang="en-US" dirty="0" smtClean="0"/>
+              <a:rPr lang="en-US" dirty="0"/>
               <a:t>”</a:t>
             </a:r>
-            <a:endParaRPr lang="en-US" dirty="0"/>
           </a:p>
           <a:p>
             <a:pPr>
               <a:buFontTx/>
               <a:buChar char="•"/>
             </a:pPr>
-            <a:endParaRPr lang="en-US" altLang="en-US" dirty="0" smtClean="0"/>
+            <a:endParaRPr lang="en-US" altLang="en-US" dirty="0"/>
           </a:p>
           <a:p>
             <a:pPr>
               <a:buFontTx/>
               <a:buChar char="•"/>
             </a:pPr>
-            <a:endParaRPr lang="en-US" dirty="0" smtClean="0"/>
+            <a:endParaRPr lang="en-US" dirty="0"/>
           </a:p>
           <a:p>
             <a:pPr>
@@ -5163,13 +4942,6 @@
   <p:clrMapOvr>
     <a:masterClrMapping/>
   </p:clrMapOvr>
-  <p:timing>
-    <p:tnLst>
-      <p:par>
-        <p:cTn id="1" dur="indefinite" restart="never" nodeType="tmRoot"/>
-      </p:par>
-    </p:tnLst>
-  </p:timing>
 </p:sld>
 </file>
 
@@ -5206,10 +4978,9 @@
           <a:lstStyle/>
           <a:p>
             <a:r>
-              <a:rPr lang="en-US" dirty="0" smtClean="0"/>
+              <a:rPr lang="en-US" dirty="0"/>
               <a:t>Workshop Summary</a:t>
             </a:r>
-            <a:endParaRPr lang="en-US" dirty="0"/>
           </a:p>
         </p:txBody>
       </p:sp>
@@ -5241,22 +5012,14 @@
             </a:r>
             <a:r>
               <a:rPr lang="en-US" dirty="0"/>
-              <a:t>, will be </a:t>
-            </a:r>
-            <a:r>
-              <a:rPr lang="en-US" dirty="0" smtClean="0"/>
-              <a:t>introduced</a:t>
+              <a:t>, will be introduced</a:t>
             </a:r>
           </a:p>
           <a:p>
             <a:pPr marL="609600" indent="-609600"/>
             <a:r>
-              <a:rPr lang="en-US" dirty="0" smtClean="0"/>
-              <a:t>Installation </a:t>
-            </a:r>
-            <a:r>
               <a:rPr lang="en-US" dirty="0"/>
-              <a:t>and configuration of </a:t>
+              <a:t>Installation and configuration of </a:t>
             </a:r>
             <a:r>
               <a:rPr lang="en-US" dirty="0" err="1"/>
@@ -5264,22 +5027,14 @@
             </a:r>
             <a:r>
               <a:rPr lang="en-US" dirty="0"/>
-              <a:t> on an Amazon instance will be covered followed by spatial data loading, the use of Spatial SQL for spatial analysis, and export of </a:t>
-            </a:r>
-            <a:r>
-              <a:rPr lang="en-US" dirty="0" smtClean="0"/>
-              <a:t>results</a:t>
+              <a:t> on an Amazon instance will be covered followed by spatial data loading, the use of Spatial SQL for spatial analysis, and export of results</a:t>
             </a:r>
           </a:p>
           <a:p>
             <a:pPr marL="609600" indent="-609600"/>
             <a:r>
-              <a:rPr lang="en-US" dirty="0" smtClean="0"/>
-              <a:t>The </a:t>
-            </a:r>
-            <a:r>
               <a:rPr lang="en-US" dirty="0"/>
-              <a:t>use of QGIS as a </a:t>
+              <a:t>The use of QGIS as a </a:t>
             </a:r>
             <a:r>
               <a:rPr lang="en-US" dirty="0" err="1"/>
@@ -5287,11 +5042,7 @@
             </a:r>
             <a:r>
               <a:rPr lang="en-US" dirty="0"/>
-              <a:t> query and visualization client will also be </a:t>
-            </a:r>
-            <a:r>
-              <a:rPr lang="en-US" dirty="0" smtClean="0"/>
-              <a:t>covered</a:t>
+              <a:t> query and visualization client will also be covered</a:t>
             </a:r>
             <a:endParaRPr lang="en-US" altLang="en-US" dirty="0"/>
           </a:p>
@@ -5307,13 +5058,6 @@
   <p:clrMapOvr>
     <a:masterClrMapping/>
   </p:clrMapOvr>
-  <p:timing>
-    <p:tnLst>
-      <p:par>
-        <p:cTn id="1" dur="indefinite" restart="never" nodeType="tmRoot"/>
-      </p:par>
-    </p:tnLst>
-  </p:timing>
 </p:sld>
 </file>
 
@@ -5350,10 +5094,9 @@
           <a:lstStyle/>
           <a:p>
             <a:r>
-              <a:rPr lang="en-US" dirty="0" smtClean="0"/>
+              <a:rPr lang="en-US" dirty="0"/>
               <a:t>About the data</a:t>
             </a:r>
-            <a:endParaRPr lang="en-US" dirty="0"/>
           </a:p>
         </p:txBody>
       </p:sp>
@@ -5376,91 +5119,52 @@
           <a:p>
             <a:r>
               <a:rPr lang="en-US" dirty="0"/>
-              <a:t>The data for this workshop is four shapefiles for New York </a:t>
-            </a:r>
-            <a:r>
-              <a:rPr lang="en-US" dirty="0" smtClean="0"/>
-              <a:t>City:</a:t>
+              <a:t>The data for this workshop is four shapefiles for New York City:</a:t>
             </a:r>
           </a:p>
           <a:p>
             <a:pPr lvl="1"/>
             <a:r>
-              <a:rPr lang="en-US" b="1" dirty="0" err="1" smtClean="0"/>
+              <a:rPr lang="en-US" b="1" dirty="0" err="1"/>
               <a:t>nyc_census_blocks</a:t>
             </a:r>
             <a:r>
-              <a:rPr lang="en-US" dirty="0" smtClean="0"/>
-              <a:t>: A </a:t>
-            </a:r>
-            <a:r>
               <a:rPr lang="en-US" dirty="0"/>
-              <a:t>census block is the smallest geography for which census data is </a:t>
-            </a:r>
-            <a:r>
-              <a:rPr lang="en-US" dirty="0" smtClean="0"/>
-              <a:t>reported</a:t>
+              <a:t>: A census block is the smallest geography for which census data is reported</a:t>
             </a:r>
           </a:p>
           <a:p>
             <a:pPr lvl="1"/>
             <a:r>
-              <a:rPr lang="en-US" b="1" dirty="0" err="1" smtClean="0"/>
+              <a:rPr lang="en-US" b="1" dirty="0" err="1"/>
               <a:t>nyc_neighborhoods</a:t>
             </a:r>
             <a:r>
-              <a:rPr lang="en-US" dirty="0" smtClean="0"/>
-              <a:t>: </a:t>
-            </a:r>
-            <a:r>
               <a:rPr lang="en-US" dirty="0"/>
-              <a:t>New York has a rich history of neighborhood names and extent. Neighborhoods are social constructs that do not follow lines laid down by the </a:t>
-            </a:r>
-            <a:r>
-              <a:rPr lang="en-US" dirty="0" smtClean="0"/>
-              <a:t>government</a:t>
-            </a:r>
-            <a:endParaRPr lang="en-US" dirty="0"/>
+              <a:t>: New York has a rich history of neighborhood names and extent. Neighborhoods are social constructs that do not follow lines laid down by the government</a:t>
+            </a:r>
           </a:p>
           <a:p>
             <a:pPr lvl="1"/>
             <a:r>
-              <a:rPr lang="en-US" b="1" dirty="0" err="1" smtClean="0"/>
+              <a:rPr lang="en-US" b="1" dirty="0" err="1"/>
               <a:t>nyc_streets</a:t>
             </a:r>
             <a:r>
-              <a:rPr lang="en-US" dirty="0" smtClean="0"/>
-              <a:t>: </a:t>
-            </a:r>
-            <a:r>
               <a:rPr lang="en-US" dirty="0"/>
-              <a:t>The street centerlines form the transportation network of the </a:t>
-            </a:r>
-            <a:r>
-              <a:rPr lang="en-US" dirty="0" smtClean="0"/>
-              <a:t>city</a:t>
-            </a:r>
-            <a:endParaRPr lang="en-US" dirty="0"/>
+              <a:t>: The street centerlines form the transportation network of the city</a:t>
+            </a:r>
           </a:p>
           <a:p>
             <a:pPr lvl="1"/>
             <a:r>
-              <a:rPr lang="en-US" b="1" dirty="0" err="1" smtClean="0"/>
+              <a:rPr lang="en-US" b="1" dirty="0" err="1"/>
               <a:t>nyc_subway_stations</a:t>
             </a:r>
             <a:r>
-              <a:rPr lang="en-US" dirty="0" smtClean="0"/>
-              <a:t>: </a:t>
-            </a:r>
-            <a:r>
               <a:rPr lang="en-US" dirty="0"/>
-              <a:t>The subway stations link the upper world where people live to the invisible network of subways </a:t>
-            </a:r>
-            <a:r>
-              <a:rPr lang="en-US" dirty="0" smtClean="0"/>
-              <a:t>beneath</a:t>
-            </a:r>
-            <a:endParaRPr lang="en-US" dirty="0"/>
+              <a:t>: The subway stations link the upper world where people live to the invisible network of subways beneath</a:t>
+            </a:r>
           </a:p>
           <a:p>
             <a:pPr lvl="1"/>
@@ -5478,13 +5182,6 @@
   <p:clrMapOvr>
     <a:masterClrMapping/>
   </p:clrMapOvr>
-  <p:timing>
-    <p:tnLst>
-      <p:par>
-        <p:cTn id="1" dur="indefinite" restart="never" nodeType="tmRoot"/>
-      </p:par>
-    </p:tnLst>
-  </p:timing>
 </p:sld>
 </file>
 
@@ -5521,10 +5218,9 @@
           <a:lstStyle/>
           <a:p>
             <a:r>
-              <a:rPr lang="en-US" dirty="0" smtClean="0"/>
+              <a:rPr lang="en-US" dirty="0"/>
               <a:t>About QGIS</a:t>
             </a:r>
-            <a:endParaRPr lang="en-US" dirty="0"/>
           </a:p>
         </p:txBody>
       </p:sp>
@@ -5547,28 +5243,16 @@
           <a:p>
             <a:r>
               <a:rPr lang="en-US" sz="1600" dirty="0"/>
-              <a:t>QGIS </a:t>
-            </a:r>
-            <a:r>
-              <a:rPr lang="en-US" sz="1600" dirty="0" smtClean="0"/>
-              <a:t>is </a:t>
-            </a:r>
-            <a:r>
-              <a:rPr lang="en-US" sz="1600" dirty="0"/>
-              <a:t>a free and open-source cross-platform desktop geographic information system (GIS) application that supports viewing, editing, and analysis of geospatial </a:t>
-            </a:r>
-            <a:r>
-              <a:rPr lang="en-US" sz="1600" dirty="0" smtClean="0"/>
-              <a:t>data. It can be used to visualize and analyze data residing in </a:t>
-            </a:r>
-            <a:r>
-              <a:rPr lang="en-US" sz="1600" dirty="0" err="1" smtClean="0"/>
+              <a:t>QGIS is a free and open-source cross-platform desktop geographic information system (GIS) application that supports viewing, editing, and analysis of geospatial data. It can be used to visualize and analyze data residing in </a:t>
+            </a:r>
+            <a:r>
+              <a:rPr lang="en-US" sz="1600" dirty="0" err="1"/>
               <a:t>PostGIS</a:t>
             </a:r>
-            <a:endParaRPr lang="en-US" sz="1600" dirty="0" smtClean="0"/>
-          </a:p>
-          <a:p>
-            <a:endParaRPr lang="en-US" dirty="0" smtClean="0"/>
+            <a:endParaRPr lang="en-US" sz="1600" dirty="0"/>
+          </a:p>
+          <a:p>
+            <a:endParaRPr lang="en-US" dirty="0"/>
           </a:p>
         </p:txBody>
       </p:sp>
@@ -5634,13 +5318,6 @@
   <p:clrMapOvr>
     <a:masterClrMapping/>
   </p:clrMapOvr>
-  <p:timing>
-    <p:tnLst>
-      <p:par>
-        <p:cTn id="1" dur="indefinite" restart="never" nodeType="tmRoot"/>
-      </p:par>
-    </p:tnLst>
-  </p:timing>
 </p:sld>
 </file>
 
@@ -5677,10 +5354,9 @@
           <a:lstStyle/>
           <a:p>
             <a:r>
-              <a:rPr lang="en-US" dirty="0" smtClean="0"/>
+              <a:rPr lang="en-US" dirty="0"/>
               <a:t>References</a:t>
             </a:r>
-            <a:endParaRPr lang="en-US" dirty="0"/>
           </a:p>
         </p:txBody>
       </p:sp>
@@ -5702,36 +5378,24 @@
           <a:lstStyle/>
           <a:p>
             <a:r>
-              <a:rPr lang="en-US" dirty="0" smtClean="0"/>
+              <a:rPr lang="en-US" dirty="0"/>
               <a:t>Boundless: Introduction to </a:t>
             </a:r>
             <a:r>
-              <a:rPr lang="en-US" dirty="0" err="1" smtClean="0"/>
+              <a:rPr lang="en-US" dirty="0" err="1"/>
               <a:t>PostGIS</a:t>
             </a:r>
             <a:r>
-              <a:rPr lang="en-US" dirty="0" smtClean="0"/>
+              <a:rPr lang="en-US" dirty="0"/>
               <a:t> </a:t>
-            </a:r>
-            <a:r>
-              <a:rPr lang="en-US" dirty="0" smtClean="0">
-                <a:hlinkClick r:id="rId2"/>
-              </a:rPr>
-              <a:t>http</a:t>
             </a:r>
             <a:r>
               <a:rPr lang="en-US" dirty="0">
                 <a:hlinkClick r:id="rId2"/>
               </a:rPr>
-              <a:t>://</a:t>
-            </a:r>
-            <a:r>
-              <a:rPr lang="en-US" dirty="0" smtClean="0">
-                <a:hlinkClick r:id="rId2"/>
-              </a:rPr>
-              <a:t>workshops.boundlessgeo.com/postgis-intro/creating_db.html</a:t>
-            </a:r>
-            <a:endParaRPr lang="en-US" dirty="0" smtClean="0"/>
+              <a:t>http://workshops.boundlessgeo.com/postgis-intro/creating_db.html</a:t>
+            </a:r>
+            <a:endParaRPr lang="en-US" dirty="0"/>
           </a:p>
           <a:p>
             <a:r>
@@ -5744,11 +5408,7 @@
             </a:r>
             <a:r>
               <a:rPr lang="en-US" dirty="0"/>
-              <a:t> Workshop - FOSS4G </a:t>
-            </a:r>
-            <a:r>
-              <a:rPr lang="en-US" dirty="0" smtClean="0"/>
-              <a:t>2007, Paul Ramsay</a:t>
+              <a:t> Workshop - FOSS4G 2007, Paul Ramsay</a:t>
             </a:r>
           </a:p>
           <a:p>
@@ -5763,21 +5423,15 @@
               <a:rPr lang="en-US" dirty="0">
                 <a:hlinkClick r:id="rId3"/>
               </a:rPr>
-              <a:t>http://</a:t>
-            </a:r>
-            <a:r>
-              <a:rPr lang="en-US" dirty="0" smtClean="0">
-                <a:hlinkClick r:id="rId3"/>
-              </a:rPr>
-              <a:t>2007.foss4g.org/workshops/W-  04/PostGIS%20Workshop.ppt</a:t>
-            </a:r>
-            <a:endParaRPr lang="en-US" dirty="0" smtClean="0"/>
+              <a:t>http://2007.foss4g.org/workshops/W-  04/PostGIS%20Workshop.ppt</a:t>
+            </a:r>
+            <a:endParaRPr lang="en-US" dirty="0"/>
           </a:p>
           <a:p>
             <a:pPr marL="0" indent="0">
               <a:buNone/>
             </a:pPr>
-            <a:endParaRPr lang="en-US" dirty="0" smtClean="0"/>
+            <a:endParaRPr lang="en-US" dirty="0"/>
           </a:p>
         </p:txBody>
       </p:sp>
@@ -5791,13 +5445,6 @@
   <p:clrMapOvr>
     <a:masterClrMapping/>
   </p:clrMapOvr>
-  <p:timing>
-    <p:tnLst>
-      <p:par>
-        <p:cTn id="1" dur="indefinite" restart="never" nodeType="tmRoot"/>
-      </p:par>
-    </p:tnLst>
-  </p:timing>
 </p:sld>
 </file>
 
